--- a/company profile -v2.pptx
+++ b/company profile -v2.pptx
@@ -274,7 +274,7 @@
           <a:p>
             <a:fld id="{FE57D019-EDCC-4BE8-A9C9-AF3356762786}" type="datetimeFigureOut">
               <a:rPr lang="en-US" smtClean="0"/>
-              <a:t>1/19/2023</a:t>
+              <a:t>2/11/2023</a:t>
             </a:fld>
             <a:endParaRPr lang="en-US"/>
           </a:p>
@@ -452,7 +452,7 @@
           <a:p>
             <a:fld id="{AE8C57C5-1BE8-4D65-8D14-FE76AADD3882}" type="datetimeFigureOut">
               <a:rPr lang="pt-PT" smtClean="0"/>
-              <a:t>19/01/2023</a:t>
+              <a:t>11/02/2023</a:t>
             </a:fld>
             <a:endParaRPr lang="pt-PT"/>
           </a:p>
@@ -2935,7 +2935,7 @@
           <a:p>
             <a:fld id="{83D4B1F0-48A0-483D-A48C-14214F7F3022}" type="datetimeFigureOut">
               <a:rPr lang="pt-PT" smtClean="0"/>
-              <a:t>19/01/2023</a:t>
+              <a:t>11/02/2023</a:t>
             </a:fld>
             <a:endParaRPr lang="pt-PT"/>
           </a:p>
@@ -3135,7 +3135,7 @@
           <a:p>
             <a:fld id="{83D4B1F0-48A0-483D-A48C-14214F7F3022}" type="datetimeFigureOut">
               <a:rPr lang="pt-PT" smtClean="0"/>
-              <a:t>19/01/2023</a:t>
+              <a:t>11/02/2023</a:t>
             </a:fld>
             <a:endParaRPr lang="pt-PT"/>
           </a:p>
@@ -3345,7 +3345,7 @@
           <a:p>
             <a:fld id="{83D4B1F0-48A0-483D-A48C-14214F7F3022}" type="datetimeFigureOut">
               <a:rPr lang="pt-PT" smtClean="0"/>
-              <a:t>19/01/2023</a:t>
+              <a:t>11/02/2023</a:t>
             </a:fld>
             <a:endParaRPr lang="pt-PT"/>
           </a:p>
@@ -3565,7 +3565,7 @@
           <a:p>
             <a:fld id="{33BA7DCD-2590-409A-B0DF-36C05AC07058}" type="datetime1">
               <a:rPr lang="en-US" smtClean="0"/>
-              <a:t>1/19/2023</a:t>
+              <a:t>2/11/2023</a:t>
             </a:fld>
             <a:endParaRPr lang="en-US"/>
           </a:p>
@@ -3767,7 +3767,7 @@
           <a:p>
             <a:fld id="{2EE4767A-2040-4A4A-B7C6-EA51BCE2959A}" type="datetime1">
               <a:rPr lang="en-US" smtClean="0"/>
-              <a:t>1/19/2023</a:t>
+              <a:t>2/11/2023</a:t>
             </a:fld>
             <a:endParaRPr lang="en-US"/>
           </a:p>
@@ -4046,7 +4046,7 @@
           <a:p>
             <a:fld id="{53FF1DCC-C9B1-4FBB-9819-16E7F842E0D3}" type="datetime1">
               <a:rPr lang="en-US" smtClean="0"/>
-              <a:t>1/19/2023</a:t>
+              <a:t>2/11/2023</a:t>
             </a:fld>
             <a:endParaRPr lang="en-US"/>
           </a:p>
@@ -4315,7 +4315,7 @@
           <a:p>
             <a:fld id="{5F4D8FAA-B415-4153-9F61-783D6BD47B27}" type="datetime1">
               <a:rPr lang="en-US" smtClean="0"/>
-              <a:t>1/19/2023</a:t>
+              <a:t>2/11/2023</a:t>
             </a:fld>
             <a:endParaRPr lang="en-US"/>
           </a:p>
@@ -4731,7 +4731,7 @@
           <a:p>
             <a:fld id="{7641083A-CED1-4CF0-B7D9-3B7989D07236}" type="datetime1">
               <a:rPr lang="en-US" smtClean="0"/>
-              <a:t>1/19/2023</a:t>
+              <a:t>2/11/2023</a:t>
             </a:fld>
             <a:endParaRPr lang="en-US"/>
           </a:p>
@@ -4876,7 +4876,7 @@
           <a:p>
             <a:fld id="{1151EC27-4561-48E4-9213-7E2D4B2246F7}" type="datetime1">
               <a:rPr lang="en-US" smtClean="0"/>
-              <a:t>1/19/2023</a:t>
+              <a:t>2/11/2023</a:t>
             </a:fld>
             <a:endParaRPr lang="en-US"/>
           </a:p>
@@ -4993,7 +4993,7 @@
           <a:p>
             <a:fld id="{21E7B4FB-DC3A-4199-8A4E-471AE2A1E499}" type="datetime1">
               <a:rPr lang="en-US" smtClean="0"/>
-              <a:t>1/19/2023</a:t>
+              <a:t>2/11/2023</a:t>
             </a:fld>
             <a:endParaRPr lang="en-US"/>
           </a:p>
@@ -5308,7 +5308,7 @@
           <a:p>
             <a:fld id="{CF9B5EE9-E05B-4C36-980B-DDB6327A468E}" type="datetime1">
               <a:rPr lang="en-US" smtClean="0"/>
-              <a:t>1/19/2023</a:t>
+              <a:t>2/11/2023</a:t>
             </a:fld>
             <a:endParaRPr lang="en-US"/>
           </a:p>
@@ -5512,7 +5512,7 @@
           <a:p>
             <a:fld id="{83D4B1F0-48A0-483D-A48C-14214F7F3022}" type="datetimeFigureOut">
               <a:rPr lang="pt-PT" smtClean="0"/>
-              <a:t>19/01/2023</a:t>
+              <a:t>11/02/2023</a:t>
             </a:fld>
             <a:endParaRPr lang="pt-PT"/>
           </a:p>
@@ -5800,7 +5800,7 @@
           <a:p>
             <a:fld id="{E6F3209B-60E4-4685-8409-1231730F5EA3}" type="datetime1">
               <a:rPr lang="en-US" smtClean="0"/>
-              <a:t>1/19/2023</a:t>
+              <a:t>2/11/2023</a:t>
             </a:fld>
             <a:endParaRPr lang="en-US"/>
           </a:p>
@@ -6002,7 +6002,7 @@
           <a:p>
             <a:fld id="{BC1B0D23-7957-4E7C-B778-B4605E68E08D}" type="datetime1">
               <a:rPr lang="en-US" smtClean="0"/>
-              <a:t>1/19/2023</a:t>
+              <a:t>2/11/2023</a:t>
             </a:fld>
             <a:endParaRPr lang="en-US"/>
           </a:p>
@@ -6214,7 +6214,7 @@
           <a:p>
             <a:fld id="{93AD638D-4E66-4F7D-A29D-B2B713F7F3E7}" type="datetime1">
               <a:rPr lang="en-US" smtClean="0"/>
-              <a:t>1/19/2023</a:t>
+              <a:t>2/11/2023</a:t>
             </a:fld>
             <a:endParaRPr lang="en-US"/>
           </a:p>
@@ -6494,7 +6494,7 @@
           <a:p>
             <a:fld id="{83D4B1F0-48A0-483D-A48C-14214F7F3022}" type="datetimeFigureOut">
               <a:rPr lang="pt-PT" smtClean="0"/>
-              <a:t>19/01/2023</a:t>
+              <a:t>11/02/2023</a:t>
             </a:fld>
             <a:endParaRPr lang="pt-PT"/>
           </a:p>
@@ -6762,7 +6762,7 @@
           <a:p>
             <a:fld id="{83D4B1F0-48A0-483D-A48C-14214F7F3022}" type="datetimeFigureOut">
               <a:rPr lang="pt-PT" smtClean="0"/>
-              <a:t>19/01/2023</a:t>
+              <a:t>11/02/2023</a:t>
             </a:fld>
             <a:endParaRPr lang="pt-PT"/>
           </a:p>
@@ -7177,7 +7177,7 @@
           <a:p>
             <a:fld id="{83D4B1F0-48A0-483D-A48C-14214F7F3022}" type="datetimeFigureOut">
               <a:rPr lang="pt-PT" smtClean="0"/>
-              <a:t>19/01/2023</a:t>
+              <a:t>11/02/2023</a:t>
             </a:fld>
             <a:endParaRPr lang="pt-PT"/>
           </a:p>
@@ -7319,7 +7319,7 @@
           <a:p>
             <a:fld id="{83D4B1F0-48A0-483D-A48C-14214F7F3022}" type="datetimeFigureOut">
               <a:rPr lang="pt-PT" smtClean="0"/>
-              <a:t>19/01/2023</a:t>
+              <a:t>11/02/2023</a:t>
             </a:fld>
             <a:endParaRPr lang="pt-PT"/>
           </a:p>
@@ -7432,7 +7432,7 @@
           <a:p>
             <a:fld id="{83D4B1F0-48A0-483D-A48C-14214F7F3022}" type="datetimeFigureOut">
               <a:rPr lang="pt-PT" smtClean="0"/>
-              <a:t>19/01/2023</a:t>
+              <a:t>11/02/2023</a:t>
             </a:fld>
             <a:endParaRPr lang="pt-PT"/>
           </a:p>
@@ -7745,7 +7745,7 @@
           <a:p>
             <a:fld id="{83D4B1F0-48A0-483D-A48C-14214F7F3022}" type="datetimeFigureOut">
               <a:rPr lang="pt-PT" smtClean="0"/>
-              <a:t>19/01/2023</a:t>
+              <a:t>11/02/2023</a:t>
             </a:fld>
             <a:endParaRPr lang="pt-PT"/>
           </a:p>
@@ -8034,7 +8034,7 @@
           <a:p>
             <a:fld id="{83D4B1F0-48A0-483D-A48C-14214F7F3022}" type="datetimeFigureOut">
               <a:rPr lang="pt-PT" smtClean="0"/>
-              <a:t>19/01/2023</a:t>
+              <a:t>11/02/2023</a:t>
             </a:fld>
             <a:endParaRPr lang="pt-PT"/>
           </a:p>
@@ -8277,7 +8277,7 @@
           <a:p>
             <a:fld id="{83D4B1F0-48A0-483D-A48C-14214F7F3022}" type="datetimeFigureOut">
               <a:rPr lang="pt-PT" smtClean="0"/>
-              <a:t>19/01/2023</a:t>
+              <a:t>11/02/2023</a:t>
             </a:fld>
             <a:endParaRPr lang="pt-PT"/>
           </a:p>
@@ -8845,7 +8845,7 @@
           <a:p>
             <a:fld id="{5745E11F-C990-46CE-BAF4-6B237560DE2C}" type="datetime1">
               <a:rPr lang="en-US" smtClean="0"/>
-              <a:t>1/19/2023</a:t>
+              <a:t>2/11/2023</a:t>
             </a:fld>
             <a:endParaRPr lang="en-US"/>
           </a:p>
@@ -21787,7 +21787,7 @@
         </p:blipFill>
         <p:spPr>
           <a:xfrm>
-            <a:off x="2271409" y="1328229"/>
+            <a:off x="1893447" y="1426401"/>
             <a:ext cx="2186344" cy="1101581"/>
           </a:xfrm>
           <a:prstGeom prst="rect">
@@ -21823,7 +21823,7 @@
         </p:blipFill>
         <p:spPr>
           <a:xfrm>
-            <a:off x="5029191" y="1310847"/>
+            <a:off x="4747909" y="1328566"/>
             <a:ext cx="1347930" cy="1247774"/>
           </a:xfrm>
           <a:prstGeom prst="rect">
@@ -22048,7 +22048,7 @@
         </p:blipFill>
         <p:spPr>
           <a:xfrm>
-            <a:off x="5029191" y="2977718"/>
+            <a:off x="4894185" y="2956140"/>
             <a:ext cx="1609858" cy="1022016"/>
           </a:xfrm>
           <a:prstGeom prst="rect">
@@ -22778,8 +22778,8 @@
         </p:blipFill>
         <p:spPr>
           <a:xfrm>
-            <a:off x="5285060" y="4510953"/>
-            <a:ext cx="2860168" cy="1081871"/>
+            <a:off x="7120795" y="4561953"/>
+            <a:ext cx="2104018" cy="795854"/>
           </a:xfrm>
           <a:prstGeom prst="rect">
             <a:avLst/>
@@ -22814,8 +22814,44 @@
         </p:blipFill>
         <p:spPr>
           <a:xfrm>
-            <a:off x="8892716" y="4519114"/>
-            <a:ext cx="1846146" cy="1090904"/>
+            <a:off x="9416711" y="4467579"/>
+            <a:ext cx="1420234" cy="839229"/>
+          </a:xfrm>
+          <a:prstGeom prst="rect">
+            <a:avLst/>
+          </a:prstGeom>
+        </p:spPr>
+      </p:pic>
+      <p:pic>
+        <p:nvPicPr>
+          <p:cNvPr id="4" name="Picture 3" descr="Logo, company name&#10;&#10;Description automatically generated">
+            <a:extLst>
+              <a:ext uri="{FF2B5EF4-FFF2-40B4-BE49-F238E27FC236}">
+                <a16:creationId xmlns:a16="http://schemas.microsoft.com/office/drawing/2014/main" id="{F8E085E3-0B0B-6850-EB64-E71ABC8F6682}"/>
+              </a:ext>
+            </a:extLst>
+          </p:cNvPr>
+          <p:cNvPicPr>
+            <a:picLocks noChangeAspect="1"/>
+          </p:cNvPicPr>
+          <p:nvPr/>
+        </p:nvPicPr>
+        <p:blipFill>
+          <a:blip r:embed="rId13">
+            <a:extLst>
+              <a:ext uri="{28A0092B-C50C-407E-A947-70E740481C1C}">
+                <a14:useLocalDpi xmlns:a14="http://schemas.microsoft.com/office/drawing/2010/main" val="0"/>
+              </a:ext>
+            </a:extLst>
+          </a:blip>
+          <a:stretch>
+            <a:fillRect/>
+          </a:stretch>
+        </p:blipFill>
+        <p:spPr>
+          <a:xfrm>
+            <a:off x="4894185" y="4393321"/>
+            <a:ext cx="1485511" cy="1228022"/>
           </a:xfrm>
           <a:prstGeom prst="rect">
             <a:avLst/>
@@ -26687,7 +26723,7 @@
           <a:p>
             <a:r>
               <a:rPr lang="en-US" dirty="0" err="1"/>
-              <a:t>Baloinços</a:t>
+              <a:t>Baloiços</a:t>
             </a:r>
             <a:endParaRPr lang="en-US" dirty="0"/>
           </a:p>
@@ -28367,8 +28403,8 @@
         </p:nvSpPr>
         <p:spPr>
           <a:xfrm>
-            <a:off x="4299315" y="5221240"/>
-            <a:ext cx="4263776" cy="369332"/>
+            <a:off x="3038475" y="5221240"/>
+            <a:ext cx="5524616" cy="369332"/>
           </a:xfrm>
           <a:prstGeom prst="rect">
             <a:avLst/>
@@ -28387,19 +28423,23 @@
             </a:r>
             <a:r>
               <a:rPr lang="en-US" dirty="0"/>
-              <a:t> de 11m e 5m e </a:t>
+              <a:t> de </a:t>
             </a:r>
             <a:r>
               <a:rPr lang="en-US" dirty="0" err="1"/>
-              <a:t>Cestos</a:t>
+              <a:t>futebol</a:t>
+            </a:r>
+            <a:r>
+              <a:rPr lang="en-US"/>
+              <a:t> 5 e 11 </a:t>
             </a:r>
             <a:r>
               <a:rPr lang="en-US" dirty="0"/>
-              <a:t> de </a:t>
+              <a:t>e Cestos de </a:t>
             </a:r>
             <a:r>
               <a:rPr lang="en-US" dirty="0" err="1"/>
-              <a:t>Basquet</a:t>
+              <a:t>Basquetebol</a:t>
             </a:r>
             <a:endParaRPr lang="en-US" dirty="0"/>
           </a:p>
